--- a/documentation/20230405 Discussion 04/Panasonic_IDS_Discussion_04.pptx
+++ b/documentation/20230405 Discussion 04/Panasonic_IDS_Discussion_04.pptx
@@ -5,21 +5,22 @@
     <p:sldMasterId id="2147483672" r:id="rId1"/>
   </p:sldMasterIdLst>
   <p:notesMasterIdLst>
-    <p:notesMasterId r:id="rId11"/>
+    <p:notesMasterId r:id="rId12"/>
   </p:notesMasterIdLst>
   <p:handoutMasterIdLst>
-    <p:handoutMasterId r:id="rId12"/>
+    <p:handoutMasterId r:id="rId13"/>
   </p:handoutMasterIdLst>
   <p:sldIdLst>
     <p:sldId id="256" r:id="rId2"/>
-    <p:sldId id="413" r:id="rId3"/>
-    <p:sldId id="416" r:id="rId4"/>
-    <p:sldId id="415" r:id="rId5"/>
-    <p:sldId id="400" r:id="rId6"/>
-    <p:sldId id="412" r:id="rId7"/>
-    <p:sldId id="414" r:id="rId8"/>
-    <p:sldId id="388" r:id="rId9"/>
-    <p:sldId id="281" r:id="rId10"/>
+    <p:sldId id="417" r:id="rId3"/>
+    <p:sldId id="413" r:id="rId4"/>
+    <p:sldId id="416" r:id="rId5"/>
+    <p:sldId id="415" r:id="rId6"/>
+    <p:sldId id="400" r:id="rId7"/>
+    <p:sldId id="412" r:id="rId8"/>
+    <p:sldId id="414" r:id="rId9"/>
+    <p:sldId id="388" r:id="rId10"/>
+    <p:sldId id="281" r:id="rId11"/>
   </p:sldIdLst>
   <p:sldSz cx="9144000" cy="5143500" type="screen16x9"/>
   <p:notesSz cx="10234613" cy="14662150"/>
@@ -124,6 +125,7 @@
         <p14:section name="Default Section" id="{585ACA5B-DAE1-4503-84A5-51D01CD7F70F}">
           <p14:sldIdLst>
             <p14:sldId id="256"/>
+            <p14:sldId id="417"/>
             <p14:sldId id="413"/>
             <p14:sldId id="416"/>
             <p14:sldId id="415"/>
@@ -241,7 +243,7 @@
           <a:p>
             <a:fld id="{E238A188-91A2-4E01-9E96-2F1FEC9A01E6}" type="datetimeFigureOut">
               <a:rPr lang="en-SG" smtClean="0"/>
-              <a:t>5/4/2023</a:t>
+              <a:t>6/4/2023</a:t>
             </a:fld>
             <a:endParaRPr lang="en-SG"/>
           </a:p>
@@ -419,7 +421,7 @@
           <a:p>
             <a:fld id="{44337A42-5D34-4F72-8CA3-09580D9F2949}" type="datetimeFigureOut">
               <a:rPr lang="en-SG" smtClean="0"/>
-              <a:t>5/4/2023</a:t>
+              <a:t>6/4/2023</a:t>
             </a:fld>
             <a:endParaRPr lang="en-SG"/>
           </a:p>
@@ -4354,7 +4356,285 @@
 </p:sld>
 </file>
 
+<file path=ppt/slides/slide10.xml><?xml version="1.0" encoding="utf-8"?>
+<p:sld xmlns:a="http://schemas.openxmlformats.org/drawingml/2006/main" xmlns:r="http://schemas.openxmlformats.org/officeDocument/2006/relationships" xmlns:p="http://schemas.openxmlformats.org/presentationml/2006/main" show="0">
+  <p:cSld>
+    <p:spTree>
+      <p:nvGrpSpPr>
+        <p:cNvPr id="1" name=""/>
+        <p:cNvGrpSpPr/>
+        <p:nvPr/>
+      </p:nvGrpSpPr>
+      <p:grpSpPr>
+        <a:xfrm>
+          <a:off x="0" y="0"/>
+          <a:ext cx="0" cy="0"/>
+          <a:chOff x="0" y="0"/>
+          <a:chExt cx="0" cy="0"/>
+        </a:xfrm>
+      </p:grpSpPr>
+      <p:sp>
+        <p:nvSpPr>
+          <p:cNvPr id="2" name="Title 1"/>
+          <p:cNvSpPr>
+            <a:spLocks noGrp="1"/>
+          </p:cNvSpPr>
+          <p:nvPr>
+            <p:ph type="title"/>
+          </p:nvPr>
+        </p:nvSpPr>
+        <p:spPr/>
+        <p:txBody>
+          <a:bodyPr>
+            <a:normAutofit/>
+          </a:bodyPr>
+          <a:lstStyle/>
+          <a:p>
+            <a:endParaRPr lang="en-GB" sz="2400" b="1" dirty="0"/>
+          </a:p>
+        </p:txBody>
+      </p:sp>
+      <p:sp>
+        <p:nvSpPr>
+          <p:cNvPr id="4" name="Title 1"/>
+          <p:cNvSpPr txBox="1">
+            <a:spLocks/>
+          </p:cNvSpPr>
+          <p:nvPr/>
+        </p:nvSpPr>
+        <p:spPr>
+          <a:xfrm>
+            <a:off x="51655" y="273845"/>
+            <a:ext cx="576995" cy="994172"/>
+          </a:xfrm>
+          <a:prstGeom prst="rect">
+            <a:avLst/>
+          </a:prstGeom>
+        </p:spPr>
+        <p:txBody>
+          <a:bodyPr vert="horz" lIns="68580" tIns="34290" rIns="68580" bIns="34290" rtlCol="0" anchor="ctr">
+            <a:normAutofit/>
+          </a:bodyPr>
+          <a:lstStyle>
+            <a:lvl1pPr algn="l" defTabSz="914400" rtl="0" eaLnBrk="1" latinLnBrk="0" hangingPunct="1">
+              <a:lnSpc>
+                <a:spcPct val="90000"/>
+              </a:lnSpc>
+              <a:spcBef>
+                <a:spcPct val="0"/>
+              </a:spcBef>
+              <a:buNone/>
+              <a:defRPr sz="4400" kern="1200">
+                <a:solidFill>
+                  <a:srgbClr val="004282"/>
+                </a:solidFill>
+                <a:latin typeface="Arial" charset="0"/>
+                <a:ea typeface="Arial" charset="0"/>
+                <a:cs typeface="Arial" charset="0"/>
+              </a:defRPr>
+            </a:lvl1pPr>
+          </a:lstStyle>
+          <a:p>
+            <a:endParaRPr lang="en-GB" sz="2100" b="1" dirty="0">
+              <a:solidFill>
+                <a:schemeClr val="bg1"/>
+              </a:solidFill>
+            </a:endParaRPr>
+          </a:p>
+        </p:txBody>
+      </p:sp>
+      <p:sp>
+        <p:nvSpPr>
+          <p:cNvPr id="5" name="TextBox 4">
+            <a:extLst>
+              <a:ext uri="{FF2B5EF4-FFF2-40B4-BE49-F238E27FC236}">
+                <a16:creationId xmlns:a16="http://schemas.microsoft.com/office/drawing/2014/main" id="{F8B802DB-E480-4319-8E9E-CCC64A41EA2B}"/>
+              </a:ext>
+            </a:extLst>
+          </p:cNvPr>
+          <p:cNvSpPr txBox="1"/>
+          <p:nvPr/>
+        </p:nvSpPr>
+        <p:spPr>
+          <a:xfrm>
+            <a:off x="51655" y="142264"/>
+            <a:ext cx="6040876" cy="369332"/>
+          </a:xfrm>
+          <a:prstGeom prst="rect">
+            <a:avLst/>
+          </a:prstGeom>
+          <a:noFill/>
+        </p:spPr>
+        <p:txBody>
+          <a:bodyPr wrap="square">
+            <a:spAutoFit/>
+          </a:bodyPr>
+          <a:lstStyle/>
+          <a:p>
+            <a:r>
+              <a:rPr lang="en-US" b="1" dirty="0">
+                <a:solidFill>
+                  <a:schemeClr val="tx1">
+                    <a:lumMod val="85000"/>
+                    <a:lumOff val="15000"/>
+                  </a:schemeClr>
+                </a:solidFill>
+              </a:rPr>
+              <a:t>CONCLUSION</a:t>
+            </a:r>
+            <a:endParaRPr lang="en-SG" dirty="0">
+              <a:solidFill>
+                <a:schemeClr val="tx1">
+                  <a:lumMod val="85000"/>
+                  <a:lumOff val="15000"/>
+                </a:schemeClr>
+              </a:solidFill>
+            </a:endParaRPr>
+          </a:p>
+        </p:txBody>
+      </p:sp>
+      <p:sp>
+        <p:nvSpPr>
+          <p:cNvPr id="6" name="Content Placeholder 2">
+            <a:extLst>
+              <a:ext uri="{FF2B5EF4-FFF2-40B4-BE49-F238E27FC236}">
+                <a16:creationId xmlns:a16="http://schemas.microsoft.com/office/drawing/2014/main" id="{95CB7D74-EACF-4F26-B0F7-CB1D20988E4C}"/>
+              </a:ext>
+            </a:extLst>
+          </p:cNvPr>
+          <p:cNvSpPr>
+            <a:spLocks noGrp="1"/>
+          </p:cNvSpPr>
+          <p:nvPr>
+            <p:ph idx="1"/>
+          </p:nvPr>
+        </p:nvSpPr>
+        <p:spPr>
+          <a:xfrm>
+            <a:off x="628651" y="1369219"/>
+            <a:ext cx="7886700" cy="3263504"/>
+          </a:xfrm>
+        </p:spPr>
+        <p:txBody>
+          <a:bodyPr/>
+          <a:lstStyle/>
+          <a:p>
+            <a:endParaRPr lang="en-SG" dirty="0"/>
+          </a:p>
+        </p:txBody>
+      </p:sp>
+    </p:spTree>
+    <p:extLst>
+      <p:ext uri="{BB962C8B-B14F-4D97-AF65-F5344CB8AC3E}">
+        <p14:creationId xmlns:p14="http://schemas.microsoft.com/office/powerpoint/2010/main" val="2542729036"/>
+      </p:ext>
+    </p:extLst>
+  </p:cSld>
+  <p:clrMapOvr>
+    <a:masterClrMapping/>
+  </p:clrMapOvr>
+</p:sld>
+</file>
+
 <file path=ppt/slides/slide2.xml><?xml version="1.0" encoding="utf-8"?>
+<p:sld xmlns:a="http://schemas.openxmlformats.org/drawingml/2006/main" xmlns:r="http://schemas.openxmlformats.org/officeDocument/2006/relationships" xmlns:p="http://schemas.openxmlformats.org/presentationml/2006/main">
+  <p:cSld>
+    <p:spTree>
+      <p:nvGrpSpPr>
+        <p:cNvPr id="1" name=""/>
+        <p:cNvGrpSpPr/>
+        <p:nvPr/>
+      </p:nvGrpSpPr>
+      <p:grpSpPr>
+        <a:xfrm>
+          <a:off x="0" y="0"/>
+          <a:ext cx="0" cy="0"/>
+          <a:chOff x="0" y="0"/>
+          <a:chExt cx="0" cy="0"/>
+        </a:xfrm>
+      </p:grpSpPr>
+      <p:sp>
+        <p:nvSpPr>
+          <p:cNvPr id="2" name="Title 1">
+            <a:extLst>
+              <a:ext uri="{FF2B5EF4-FFF2-40B4-BE49-F238E27FC236}">
+                <a16:creationId xmlns:a16="http://schemas.microsoft.com/office/drawing/2014/main" id="{EBA244F8-4CA5-4D75-F72F-14B56915B014}"/>
+              </a:ext>
+            </a:extLst>
+          </p:cNvPr>
+          <p:cNvSpPr>
+            <a:spLocks noGrp="1"/>
+          </p:cNvSpPr>
+          <p:nvPr>
+            <p:ph type="title"/>
+          </p:nvPr>
+        </p:nvSpPr>
+        <p:spPr/>
+        <p:txBody>
+          <a:bodyPr/>
+          <a:lstStyle/>
+          <a:p>
+            <a:r>
+              <a:rPr lang="en-SG" dirty="0"/>
+              <a:t>Agenda</a:t>
+            </a:r>
+          </a:p>
+        </p:txBody>
+      </p:sp>
+      <p:sp>
+        <p:nvSpPr>
+          <p:cNvPr id="3" name="Content Placeholder 2">
+            <a:extLst>
+              <a:ext uri="{FF2B5EF4-FFF2-40B4-BE49-F238E27FC236}">
+                <a16:creationId xmlns:a16="http://schemas.microsoft.com/office/drawing/2014/main" id="{747E7066-AC2E-8FDD-80A4-E33EC26A04EF}"/>
+              </a:ext>
+            </a:extLst>
+          </p:cNvPr>
+          <p:cNvSpPr>
+            <a:spLocks noGrp="1"/>
+          </p:cNvSpPr>
+          <p:nvPr>
+            <p:ph idx="1"/>
+          </p:nvPr>
+        </p:nvSpPr>
+        <p:spPr/>
+        <p:txBody>
+          <a:bodyPr/>
+          <a:lstStyle/>
+          <a:p>
+            <a:r>
+              <a:rPr lang="en-SG" dirty="0"/>
+              <a:t>Temporal Extraction – Literature Review</a:t>
+            </a:r>
+          </a:p>
+          <a:p>
+            <a:r>
+              <a:rPr lang="en-SG" dirty="0"/>
+              <a:t>Timeline</a:t>
+            </a:r>
+          </a:p>
+          <a:p>
+            <a:r>
+              <a:rPr lang="en-SG" dirty="0"/>
+              <a:t>Other Topics</a:t>
+            </a:r>
+          </a:p>
+        </p:txBody>
+      </p:sp>
+    </p:spTree>
+    <p:extLst>
+      <p:ext uri="{BB962C8B-B14F-4D97-AF65-F5344CB8AC3E}">
+        <p14:creationId xmlns:p14="http://schemas.microsoft.com/office/powerpoint/2010/main" val="3928408982"/>
+      </p:ext>
+    </p:extLst>
+  </p:cSld>
+  <p:clrMapOvr>
+    <a:masterClrMapping/>
+  </p:clrMapOvr>
+</p:sld>
+</file>
+
+<file path=ppt/slides/slide3.xml><?xml version="1.0" encoding="utf-8"?>
 <p:sld xmlns:a="http://schemas.openxmlformats.org/drawingml/2006/main" xmlns:r="http://schemas.openxmlformats.org/officeDocument/2006/relationships" xmlns:p="http://schemas.openxmlformats.org/presentationml/2006/main">
   <p:cSld>
     <p:spTree>
@@ -4868,7 +5148,7 @@
 </p:sld>
 </file>
 
-<file path=ppt/slides/slide3.xml><?xml version="1.0" encoding="utf-8"?>
+<file path=ppt/slides/slide4.xml><?xml version="1.0" encoding="utf-8"?>
 <p:sld xmlns:a="http://schemas.openxmlformats.org/drawingml/2006/main" xmlns:r="http://schemas.openxmlformats.org/officeDocument/2006/relationships" xmlns:p="http://schemas.openxmlformats.org/presentationml/2006/main">
   <p:cSld>
     <p:spTree>
@@ -5143,7 +5423,7 @@
 </p:sld>
 </file>
 
-<file path=ppt/slides/slide4.xml><?xml version="1.0" encoding="utf-8"?>
+<file path=ppt/slides/slide5.xml><?xml version="1.0" encoding="utf-8"?>
 <p:sld xmlns:a="http://schemas.openxmlformats.org/drawingml/2006/main" xmlns:r="http://schemas.openxmlformats.org/officeDocument/2006/relationships" xmlns:p="http://schemas.openxmlformats.org/presentationml/2006/main">
   <p:cSld>
     <p:spTree>
@@ -5616,7 +5896,7 @@
 </p:sld>
 </file>
 
-<file path=ppt/slides/slide5.xml><?xml version="1.0" encoding="utf-8"?>
+<file path=ppt/slides/slide6.xml><?xml version="1.0" encoding="utf-8"?>
 <p:sld xmlns:a="http://schemas.openxmlformats.org/drawingml/2006/main" xmlns:r="http://schemas.openxmlformats.org/officeDocument/2006/relationships" xmlns:p="http://schemas.openxmlformats.org/presentationml/2006/main">
   <p:cSld>
     <p:spTree>
@@ -5819,7 +6099,7 @@
 </p:sld>
 </file>
 
-<file path=ppt/slides/slide6.xml><?xml version="1.0" encoding="utf-8"?>
+<file path=ppt/slides/slide7.xml><?xml version="1.0" encoding="utf-8"?>
 <p:sld xmlns:a="http://schemas.openxmlformats.org/drawingml/2006/main" xmlns:r="http://schemas.openxmlformats.org/officeDocument/2006/relationships" xmlns:p="http://schemas.openxmlformats.org/presentationml/2006/main">
   <p:cSld>
     <p:spTree>
@@ -6327,7 +6607,7 @@
 </p:sld>
 </file>
 
-<file path=ppt/slides/slide7.xml><?xml version="1.0" encoding="utf-8"?>
+<file path=ppt/slides/slide8.xml><?xml version="1.0" encoding="utf-8"?>
 <p:sld xmlns:a="http://schemas.openxmlformats.org/drawingml/2006/main" xmlns:r="http://schemas.openxmlformats.org/officeDocument/2006/relationships" xmlns:p="http://schemas.openxmlformats.org/presentationml/2006/main">
   <p:cSld>
     <p:spTree>
@@ -6847,7 +7127,7 @@
 </p:sld>
 </file>
 
-<file path=ppt/slides/slide8.xml><?xml version="1.0" encoding="utf-8"?>
+<file path=ppt/slides/slide9.xml><?xml version="1.0" encoding="utf-8"?>
 <p:sld xmlns:a="http://schemas.openxmlformats.org/drawingml/2006/main" xmlns:r="http://schemas.openxmlformats.org/officeDocument/2006/relationships" xmlns:p="http://schemas.openxmlformats.org/presentationml/2006/main" show="0">
   <p:cSld>
     <p:spTree>
@@ -7178,186 +7458,6 @@
       </p:par>
     </p:tnLst>
   </p:timing>
-</p:sld>
-</file>
-
-<file path=ppt/slides/slide9.xml><?xml version="1.0" encoding="utf-8"?>
-<p:sld xmlns:a="http://schemas.openxmlformats.org/drawingml/2006/main" xmlns:r="http://schemas.openxmlformats.org/officeDocument/2006/relationships" xmlns:p="http://schemas.openxmlformats.org/presentationml/2006/main" show="0">
-  <p:cSld>
-    <p:spTree>
-      <p:nvGrpSpPr>
-        <p:cNvPr id="1" name=""/>
-        <p:cNvGrpSpPr/>
-        <p:nvPr/>
-      </p:nvGrpSpPr>
-      <p:grpSpPr>
-        <a:xfrm>
-          <a:off x="0" y="0"/>
-          <a:ext cx="0" cy="0"/>
-          <a:chOff x="0" y="0"/>
-          <a:chExt cx="0" cy="0"/>
-        </a:xfrm>
-      </p:grpSpPr>
-      <p:sp>
-        <p:nvSpPr>
-          <p:cNvPr id="2" name="Title 1"/>
-          <p:cNvSpPr>
-            <a:spLocks noGrp="1"/>
-          </p:cNvSpPr>
-          <p:nvPr>
-            <p:ph type="title"/>
-          </p:nvPr>
-        </p:nvSpPr>
-        <p:spPr/>
-        <p:txBody>
-          <a:bodyPr>
-            <a:normAutofit/>
-          </a:bodyPr>
-          <a:lstStyle/>
-          <a:p>
-            <a:endParaRPr lang="en-GB" sz="2400" b="1" dirty="0"/>
-          </a:p>
-        </p:txBody>
-      </p:sp>
-      <p:sp>
-        <p:nvSpPr>
-          <p:cNvPr id="4" name="Title 1"/>
-          <p:cNvSpPr txBox="1">
-            <a:spLocks/>
-          </p:cNvSpPr>
-          <p:nvPr/>
-        </p:nvSpPr>
-        <p:spPr>
-          <a:xfrm>
-            <a:off x="51655" y="273845"/>
-            <a:ext cx="576995" cy="994172"/>
-          </a:xfrm>
-          <a:prstGeom prst="rect">
-            <a:avLst/>
-          </a:prstGeom>
-        </p:spPr>
-        <p:txBody>
-          <a:bodyPr vert="horz" lIns="68580" tIns="34290" rIns="68580" bIns="34290" rtlCol="0" anchor="ctr">
-            <a:normAutofit/>
-          </a:bodyPr>
-          <a:lstStyle>
-            <a:lvl1pPr algn="l" defTabSz="914400" rtl="0" eaLnBrk="1" latinLnBrk="0" hangingPunct="1">
-              <a:lnSpc>
-                <a:spcPct val="90000"/>
-              </a:lnSpc>
-              <a:spcBef>
-                <a:spcPct val="0"/>
-              </a:spcBef>
-              <a:buNone/>
-              <a:defRPr sz="4400" kern="1200">
-                <a:solidFill>
-                  <a:srgbClr val="004282"/>
-                </a:solidFill>
-                <a:latin typeface="Arial" charset="0"/>
-                <a:ea typeface="Arial" charset="0"/>
-                <a:cs typeface="Arial" charset="0"/>
-              </a:defRPr>
-            </a:lvl1pPr>
-          </a:lstStyle>
-          <a:p>
-            <a:endParaRPr lang="en-GB" sz="2100" b="1" dirty="0">
-              <a:solidFill>
-                <a:schemeClr val="bg1"/>
-              </a:solidFill>
-            </a:endParaRPr>
-          </a:p>
-        </p:txBody>
-      </p:sp>
-      <p:sp>
-        <p:nvSpPr>
-          <p:cNvPr id="5" name="TextBox 4">
-            <a:extLst>
-              <a:ext uri="{FF2B5EF4-FFF2-40B4-BE49-F238E27FC236}">
-                <a16:creationId xmlns:a16="http://schemas.microsoft.com/office/drawing/2014/main" id="{F8B802DB-E480-4319-8E9E-CCC64A41EA2B}"/>
-              </a:ext>
-            </a:extLst>
-          </p:cNvPr>
-          <p:cNvSpPr txBox="1"/>
-          <p:nvPr/>
-        </p:nvSpPr>
-        <p:spPr>
-          <a:xfrm>
-            <a:off x="51655" y="142264"/>
-            <a:ext cx="6040876" cy="369332"/>
-          </a:xfrm>
-          <a:prstGeom prst="rect">
-            <a:avLst/>
-          </a:prstGeom>
-          <a:noFill/>
-        </p:spPr>
-        <p:txBody>
-          <a:bodyPr wrap="square">
-            <a:spAutoFit/>
-          </a:bodyPr>
-          <a:lstStyle/>
-          <a:p>
-            <a:r>
-              <a:rPr lang="en-US" b="1" dirty="0">
-                <a:solidFill>
-                  <a:schemeClr val="tx1">
-                    <a:lumMod val="85000"/>
-                    <a:lumOff val="15000"/>
-                  </a:schemeClr>
-                </a:solidFill>
-              </a:rPr>
-              <a:t>CONCLUSION</a:t>
-            </a:r>
-            <a:endParaRPr lang="en-SG" dirty="0">
-              <a:solidFill>
-                <a:schemeClr val="tx1">
-                  <a:lumMod val="85000"/>
-                  <a:lumOff val="15000"/>
-                </a:schemeClr>
-              </a:solidFill>
-            </a:endParaRPr>
-          </a:p>
-        </p:txBody>
-      </p:sp>
-      <p:sp>
-        <p:nvSpPr>
-          <p:cNvPr id="6" name="Content Placeholder 2">
-            <a:extLst>
-              <a:ext uri="{FF2B5EF4-FFF2-40B4-BE49-F238E27FC236}">
-                <a16:creationId xmlns:a16="http://schemas.microsoft.com/office/drawing/2014/main" id="{95CB7D74-EACF-4F26-B0F7-CB1D20988E4C}"/>
-              </a:ext>
-            </a:extLst>
-          </p:cNvPr>
-          <p:cNvSpPr>
-            <a:spLocks noGrp="1"/>
-          </p:cNvSpPr>
-          <p:nvPr>
-            <p:ph idx="1"/>
-          </p:nvPr>
-        </p:nvSpPr>
-        <p:spPr>
-          <a:xfrm>
-            <a:off x="628651" y="1369219"/>
-            <a:ext cx="7886700" cy="3263504"/>
-          </a:xfrm>
-        </p:spPr>
-        <p:txBody>
-          <a:bodyPr/>
-          <a:lstStyle/>
-          <a:p>
-            <a:endParaRPr lang="en-SG" dirty="0"/>
-          </a:p>
-        </p:txBody>
-      </p:sp>
-    </p:spTree>
-    <p:extLst>
-      <p:ext uri="{BB962C8B-B14F-4D97-AF65-F5344CB8AC3E}">
-        <p14:creationId xmlns:p14="http://schemas.microsoft.com/office/powerpoint/2010/main" val="2542729036"/>
-      </p:ext>
-    </p:extLst>
-  </p:cSld>
-  <p:clrMapOvr>
-    <a:masterClrMapping/>
-  </p:clrMapOvr>
 </p:sld>
 </file>
 
